--- a/Research Related/Phase 1 Project ppt.pptx
+++ b/Research Related/Phase 1 Project ppt.pptx
@@ -258,6 +258,11 @@
       </a:defRPr>
     </a:lvl9pPr>
   </p:defaultTextStyle>
+  <p:extLst>
+    <p:ext uri="{EFAFB233-063F-42B5-8137-9DF3F51BA10A}">
+      <p15:sldGuideLst xmlns:p15="http://schemas.microsoft.com/office/powerpoint/2012/main"/>
+    </p:ext>
+  </p:extLst>
 </p:presentation>
 </file>
 

--- a/Research Related/Phase 1 Project ppt.pptx
+++ b/Research Related/Phase 1 Project ppt.pptx
@@ -14306,7 +14306,13 @@
         <p:nvGraphicFramePr>
           <p:cNvPr id="93" name="Google Shape;93;p1"/>
           <p:cNvGraphicFramePr/>
-          <p:nvPr/>
+          <p:nvPr>
+            <p:extLst>
+              <p:ext uri="{D42A27DB-BD31-4B8C-83A1-F6EECF244321}">
+                <p14:modId xmlns:p14="http://schemas.microsoft.com/office/powerpoint/2010/main" val="1581466550"/>
+              </p:ext>
+            </p:extLst>
+          </p:nvPr>
         </p:nvGraphicFramePr>
         <p:xfrm>
           <a:off x="7191375" y="4457697"/>
@@ -14320,14 +14326,14 @@
                 <a:tableStyleId>{25261A55-2B27-41BC-BA93-82DA31B87E58}</a:tableStyleId>
               </a:tblPr>
               <a:tblGrid>
-                <a:gridCol w="1447800">
+                <a:gridCol w="1716651">
                   <a:extLst>
                     <a:ext uri="{9D8B030D-6E8A-4147-A177-3AD203B41FA5}">
                       <a16:colId xmlns:a16="http://schemas.microsoft.com/office/drawing/2014/main" val="20000"/>
                     </a:ext>
                   </a:extLst>
                 </a:gridCol>
-                <a:gridCol w="3048000">
+                <a:gridCol w="2779149">
                   <a:extLst>
                     <a:ext uri="{9D8B030D-6E8A-4147-A177-3AD203B41FA5}">
                       <a16:colId xmlns:a16="http://schemas.microsoft.com/office/drawing/2014/main" val="20001"/>
@@ -14356,15 +14362,15 @@
                         <a:buNone/>
                       </a:pPr>
                       <a:r>
-                        <a:rPr lang="en-US" sz="1800" u="none" strike="noStrike" cap="none">
+                        <a:rPr lang="en-US" sz="1800" u="none" strike="noStrike" cap="none" dirty="0">
                           <a:latin typeface="Arial"/>
                           <a:ea typeface="Arial"/>
                           <a:cs typeface="Arial"/>
                           <a:sym typeface="Arial"/>
                         </a:rPr>
-                        <a:t>Uni. Reg no</a:t>
+                        <a:t>JEC21CS010</a:t>
                       </a:r>
-                      <a:endParaRPr sz="1800" u="none" strike="noStrike" cap="none">
+                      <a:endParaRPr sz="1800" u="none" strike="noStrike" cap="none" dirty="0">
                         <a:latin typeface="Arial"/>
                         <a:ea typeface="Arial"/>
                         <a:cs typeface="Arial"/>
@@ -14643,7 +14649,7 @@
                         <a:buNone/>
                       </a:pPr>
                       <a:r>
-                        <a:rPr lang="en-US" sz="1800" u="none" strike="noStrike" cap="none">
+                        <a:rPr lang="en-US" sz="1800" u="none" strike="noStrike" cap="none" dirty="0">
                           <a:latin typeface="Arial"/>
                           <a:ea typeface="Arial"/>
                           <a:cs typeface="Arial"/>
@@ -14651,7 +14657,7 @@
                         </a:rPr>
                         <a:t>Name of student</a:t>
                       </a:r>
-                      <a:endParaRPr sz="1800" u="none" strike="noStrike" cap="none">
+                      <a:endParaRPr sz="1800" u="none" strike="noStrike" cap="none" dirty="0">
                         <a:latin typeface="Arial"/>
                         <a:ea typeface="Arial"/>
                         <a:cs typeface="Arial"/>

--- a/Research Related/Phase 1 Project ppt.pptx
+++ b/Research Related/Phase 1 Project ppt.pptx
@@ -5,7 +5,7 @@
     <p:sldMasterId id="2147483648" r:id="rId1"/>
   </p:sldMasterIdLst>
   <p:notesMasterIdLst>
-    <p:notesMasterId r:id="rId20"/>
+    <p:notesMasterId r:id="rId21"/>
   </p:notesMasterIdLst>
   <p:sldIdLst>
     <p:sldId id="256" r:id="rId2"/>
@@ -20,12 +20,13 @@
     <p:sldId id="275" r:id="rId11"/>
     <p:sldId id="276" r:id="rId12"/>
     <p:sldId id="277" r:id="rId13"/>
-    <p:sldId id="271" r:id="rId14"/>
-    <p:sldId id="272" r:id="rId15"/>
-    <p:sldId id="265" r:id="rId16"/>
-    <p:sldId id="266" r:id="rId17"/>
-    <p:sldId id="273" r:id="rId18"/>
-    <p:sldId id="274" r:id="rId19"/>
+    <p:sldId id="278" r:id="rId14"/>
+    <p:sldId id="271" r:id="rId15"/>
+    <p:sldId id="272" r:id="rId16"/>
+    <p:sldId id="265" r:id="rId17"/>
+    <p:sldId id="266" r:id="rId18"/>
+    <p:sldId id="273" r:id="rId19"/>
+    <p:sldId id="274" r:id="rId20"/>
   </p:sldIdLst>
   <p:sldSz cx="12192000" cy="6858000"/>
   <p:notesSz cx="6858000" cy="9144000"/>
@@ -1955,6 +1956,115 @@
   <p:cSld>
     <p:spTree>
       <p:nvGrpSpPr>
+        <p:cNvPr id="1" name="Shape 142"/>
+        <p:cNvGrpSpPr/>
+        <p:nvPr/>
+      </p:nvGrpSpPr>
+      <p:grpSpPr>
+        <a:xfrm>
+          <a:off x="0" y="0"/>
+          <a:ext cx="0" cy="0"/>
+          <a:chOff x="0" y="0"/>
+          <a:chExt cx="0" cy="0"/>
+        </a:xfrm>
+      </p:grpSpPr>
+      <p:sp>
+        <p:nvSpPr>
+          <p:cNvPr id="143" name="Google Shape;143;p7:notes"/>
+          <p:cNvSpPr txBox="1">
+            <a:spLocks noGrp="1"/>
+          </p:cNvSpPr>
+          <p:nvPr>
+            <p:ph type="body" idx="1"/>
+          </p:nvPr>
+        </p:nvSpPr>
+        <p:spPr>
+          <a:xfrm>
+            <a:off x="685800" y="4400550"/>
+            <a:ext cx="5486400" cy="3600450"/>
+          </a:xfrm>
+          <a:prstGeom prst="rect">
+            <a:avLst/>
+          </a:prstGeom>
+        </p:spPr>
+        <p:txBody>
+          <a:bodyPr spcFirstLastPara="1" wrap="square" lIns="91425" tIns="45700" rIns="91425" bIns="45700" anchor="t" anchorCtr="0">
+            <a:noAutofit/>
+          </a:bodyPr>
+          <a:lstStyle/>
+          <a:p>
+            <a:pPr marL="0" lvl="0" indent="0" algn="l" rtl="0">
+              <a:spcBef>
+                <a:spcPts val="0"/>
+              </a:spcBef>
+              <a:spcAft>
+                <a:spcPts val="0"/>
+              </a:spcAft>
+              <a:buNone/>
+            </a:pPr>
+            <a:endParaRPr/>
+          </a:p>
+        </p:txBody>
+      </p:sp>
+      <p:sp>
+        <p:nvSpPr>
+          <p:cNvPr id="144" name="Google Shape;144;p7:notes"/>
+          <p:cNvSpPr>
+            <a:spLocks noGrp="1" noRot="1" noChangeAspect="1"/>
+          </p:cNvSpPr>
+          <p:nvPr>
+            <p:ph type="sldImg" idx="2"/>
+          </p:nvPr>
+        </p:nvSpPr>
+        <p:spPr>
+          <a:xfrm>
+            <a:off x="685800" y="1143000"/>
+            <a:ext cx="5486400" cy="3086100"/>
+          </a:xfrm>
+          <a:custGeom>
+            <a:avLst/>
+            <a:gdLst/>
+            <a:ahLst/>
+            <a:cxnLst/>
+            <a:rect l="l" t="t" r="r" b="b"/>
+            <a:pathLst>
+              <a:path w="120000" h="120000" extrusionOk="0">
+                <a:moveTo>
+                  <a:pt x="0" y="0"/>
+                </a:moveTo>
+                <a:lnTo>
+                  <a:pt x="120000" y="0"/>
+                </a:lnTo>
+                <a:lnTo>
+                  <a:pt x="120000" y="120000"/>
+                </a:lnTo>
+                <a:lnTo>
+                  <a:pt x="0" y="120000"/>
+                </a:lnTo>
+                <a:close/>
+              </a:path>
+            </a:pathLst>
+          </a:custGeom>
+        </p:spPr>
+      </p:sp>
+    </p:spTree>
+    <p:extLst>
+      <p:ext uri="{BB962C8B-B14F-4D97-AF65-F5344CB8AC3E}">
+        <p14:creationId xmlns:p14="http://schemas.microsoft.com/office/powerpoint/2010/main" val="1800278338"/>
+      </p:ext>
+    </p:extLst>
+  </p:cSld>
+  <p:clrMapOvr>
+    <a:masterClrMapping/>
+  </p:clrMapOvr>
+</p:notes>
+</file>
+
+<file path=ppt/notesSlides/notesSlide14.xml><?xml version="1.0" encoding="utf-8"?>
+<p:notes xmlns:a="http://schemas.openxmlformats.org/drawingml/2006/main" xmlns:r="http://schemas.openxmlformats.org/officeDocument/2006/relationships" xmlns:p="http://schemas.openxmlformats.org/presentationml/2006/main" showMasterSp="0" showMasterPhAnim="0">
+  <p:cSld>
+    <p:spTree>
+      <p:nvGrpSpPr>
         <p:cNvPr id="1" name="Shape 151"/>
         <p:cNvGrpSpPr/>
         <p:nvPr/>
@@ -2059,7 +2169,7 @@
 </p:notes>
 </file>
 
-<file path=ppt/notesSlides/notesSlide14.xml><?xml version="1.0" encoding="utf-8"?>
+<file path=ppt/notesSlides/notesSlide15.xml><?xml version="1.0" encoding="utf-8"?>
 <p:notes xmlns:a="http://schemas.openxmlformats.org/drawingml/2006/main" xmlns:r="http://schemas.openxmlformats.org/officeDocument/2006/relationships" xmlns:p="http://schemas.openxmlformats.org/presentationml/2006/main" showMasterSp="0" showMasterPhAnim="0">
   <p:cSld>
     <p:spTree>
@@ -2168,7 +2278,7 @@
 </p:notes>
 </file>
 
-<file path=ppt/notesSlides/notesSlide15.xml><?xml version="1.0" encoding="utf-8"?>
+<file path=ppt/notesSlides/notesSlide16.xml><?xml version="1.0" encoding="utf-8"?>
 <p:notes xmlns:a="http://schemas.openxmlformats.org/drawingml/2006/main" xmlns:r="http://schemas.openxmlformats.org/officeDocument/2006/relationships" xmlns:p="http://schemas.openxmlformats.org/presentationml/2006/main" showMasterSp="0" showMasterPhAnim="0">
   <p:cSld>
     <p:spTree>
@@ -2226,110 +2336,6 @@
       <p:sp>
         <p:nvSpPr>
           <p:cNvPr id="171" name="Google Shape;171;p10:notes"/>
-          <p:cNvSpPr>
-            <a:spLocks noGrp="1" noRot="1" noChangeAspect="1"/>
-          </p:cNvSpPr>
-          <p:nvPr>
-            <p:ph type="sldImg" idx="2"/>
-          </p:nvPr>
-        </p:nvSpPr>
-        <p:spPr>
-          <a:xfrm>
-            <a:off x="685800" y="1143000"/>
-            <a:ext cx="5486400" cy="3086100"/>
-          </a:xfrm>
-          <a:custGeom>
-            <a:avLst/>
-            <a:gdLst/>
-            <a:ahLst/>
-            <a:cxnLst/>
-            <a:rect l="l" t="t" r="r" b="b"/>
-            <a:pathLst>
-              <a:path w="120000" h="120000" extrusionOk="0">
-                <a:moveTo>
-                  <a:pt x="0" y="0"/>
-                </a:moveTo>
-                <a:lnTo>
-                  <a:pt x="120000" y="0"/>
-                </a:lnTo>
-                <a:lnTo>
-                  <a:pt x="120000" y="120000"/>
-                </a:lnTo>
-                <a:lnTo>
-                  <a:pt x="0" y="120000"/>
-                </a:lnTo>
-                <a:close/>
-              </a:path>
-            </a:pathLst>
-          </a:custGeom>
-        </p:spPr>
-      </p:sp>
-    </p:spTree>
-  </p:cSld>
-  <p:clrMapOvr>
-    <a:masterClrMapping/>
-  </p:clrMapOvr>
-</p:notes>
-</file>
-
-<file path=ppt/notesSlides/notesSlide16.xml><?xml version="1.0" encoding="utf-8"?>
-<p:notes xmlns:a="http://schemas.openxmlformats.org/drawingml/2006/main" xmlns:r="http://schemas.openxmlformats.org/officeDocument/2006/relationships" xmlns:p="http://schemas.openxmlformats.org/presentationml/2006/main" showMasterSp="0" showMasterPhAnim="0">
-  <p:cSld>
-    <p:spTree>
-      <p:nvGrpSpPr>
-        <p:cNvPr id="1" name="Shape 178"/>
-        <p:cNvGrpSpPr/>
-        <p:nvPr/>
-      </p:nvGrpSpPr>
-      <p:grpSpPr>
-        <a:xfrm>
-          <a:off x="0" y="0"/>
-          <a:ext cx="0" cy="0"/>
-          <a:chOff x="0" y="0"/>
-          <a:chExt cx="0" cy="0"/>
-        </a:xfrm>
-      </p:grpSpPr>
-      <p:sp>
-        <p:nvSpPr>
-          <p:cNvPr id="179" name="Google Shape;179;p11:notes"/>
-          <p:cNvSpPr txBox="1">
-            <a:spLocks noGrp="1"/>
-          </p:cNvSpPr>
-          <p:nvPr>
-            <p:ph type="body" idx="1"/>
-          </p:nvPr>
-        </p:nvSpPr>
-        <p:spPr>
-          <a:xfrm>
-            <a:off x="685800" y="4400550"/>
-            <a:ext cx="5486400" cy="3600450"/>
-          </a:xfrm>
-          <a:prstGeom prst="rect">
-            <a:avLst/>
-          </a:prstGeom>
-        </p:spPr>
-        <p:txBody>
-          <a:bodyPr spcFirstLastPara="1" wrap="square" lIns="91425" tIns="45700" rIns="91425" bIns="45700" anchor="t" anchorCtr="0">
-            <a:noAutofit/>
-          </a:bodyPr>
-          <a:lstStyle/>
-          <a:p>
-            <a:pPr marL="0" lvl="0" indent="0" algn="l" rtl="0">
-              <a:spcBef>
-                <a:spcPts val="0"/>
-              </a:spcBef>
-              <a:spcAft>
-                <a:spcPts val="0"/>
-              </a:spcAft>
-              <a:buNone/>
-            </a:pPr>
-            <a:endParaRPr/>
-          </a:p>
-        </p:txBody>
-      </p:sp>
-      <p:sp>
-        <p:nvSpPr>
-          <p:cNvPr id="180" name="Google Shape;180;p11:notes"/>
           <p:cNvSpPr>
             <a:spLocks noGrp="1" noRot="1" noChangeAspect="1"/>
           </p:cNvSpPr>
@@ -2473,6 +2479,110 @@
         </p:spPr>
       </p:sp>
     </p:spTree>
+  </p:cSld>
+  <p:clrMapOvr>
+    <a:masterClrMapping/>
+  </p:clrMapOvr>
+</p:notes>
+</file>
+
+<file path=ppt/notesSlides/notesSlide18.xml><?xml version="1.0" encoding="utf-8"?>
+<p:notes xmlns:a="http://schemas.openxmlformats.org/drawingml/2006/main" xmlns:r="http://schemas.openxmlformats.org/officeDocument/2006/relationships" xmlns:p="http://schemas.openxmlformats.org/presentationml/2006/main" showMasterSp="0" showMasterPhAnim="0">
+  <p:cSld>
+    <p:spTree>
+      <p:nvGrpSpPr>
+        <p:cNvPr id="1" name="Shape 178"/>
+        <p:cNvGrpSpPr/>
+        <p:nvPr/>
+      </p:nvGrpSpPr>
+      <p:grpSpPr>
+        <a:xfrm>
+          <a:off x="0" y="0"/>
+          <a:ext cx="0" cy="0"/>
+          <a:chOff x="0" y="0"/>
+          <a:chExt cx="0" cy="0"/>
+        </a:xfrm>
+      </p:grpSpPr>
+      <p:sp>
+        <p:nvSpPr>
+          <p:cNvPr id="179" name="Google Shape;179;p11:notes"/>
+          <p:cNvSpPr txBox="1">
+            <a:spLocks noGrp="1"/>
+          </p:cNvSpPr>
+          <p:nvPr>
+            <p:ph type="body" idx="1"/>
+          </p:nvPr>
+        </p:nvSpPr>
+        <p:spPr>
+          <a:xfrm>
+            <a:off x="685800" y="4400550"/>
+            <a:ext cx="5486400" cy="3600450"/>
+          </a:xfrm>
+          <a:prstGeom prst="rect">
+            <a:avLst/>
+          </a:prstGeom>
+        </p:spPr>
+        <p:txBody>
+          <a:bodyPr spcFirstLastPara="1" wrap="square" lIns="91425" tIns="45700" rIns="91425" bIns="45700" anchor="t" anchorCtr="0">
+            <a:noAutofit/>
+          </a:bodyPr>
+          <a:lstStyle/>
+          <a:p>
+            <a:pPr marL="0" lvl="0" indent="0" algn="l" rtl="0">
+              <a:spcBef>
+                <a:spcPts val="0"/>
+              </a:spcBef>
+              <a:spcAft>
+                <a:spcPts val="0"/>
+              </a:spcAft>
+              <a:buNone/>
+            </a:pPr>
+            <a:endParaRPr/>
+          </a:p>
+        </p:txBody>
+      </p:sp>
+      <p:sp>
+        <p:nvSpPr>
+          <p:cNvPr id="180" name="Google Shape;180;p11:notes"/>
+          <p:cNvSpPr>
+            <a:spLocks noGrp="1" noRot="1" noChangeAspect="1"/>
+          </p:cNvSpPr>
+          <p:nvPr>
+            <p:ph type="sldImg" idx="2"/>
+          </p:nvPr>
+        </p:nvSpPr>
+        <p:spPr>
+          <a:xfrm>
+            <a:off x="685800" y="1143000"/>
+            <a:ext cx="5486400" cy="3086100"/>
+          </a:xfrm>
+          <a:custGeom>
+            <a:avLst/>
+            <a:gdLst/>
+            <a:ahLst/>
+            <a:cxnLst/>
+            <a:rect l="l" t="t" r="r" b="b"/>
+            <a:pathLst>
+              <a:path w="120000" h="120000" extrusionOk="0">
+                <a:moveTo>
+                  <a:pt x="0" y="0"/>
+                </a:moveTo>
+                <a:lnTo>
+                  <a:pt x="120000" y="0"/>
+                </a:lnTo>
+                <a:lnTo>
+                  <a:pt x="120000" y="120000"/>
+                </a:lnTo>
+                <a:lnTo>
+                  <a:pt x="0" y="120000"/>
+                </a:lnTo>
+                <a:close/>
+              </a:path>
+            </a:pathLst>
+          </a:custGeom>
+        </p:spPr>
+      </p:sp>
+    </p:spTree>
     <p:extLst>
       <p:ext uri="{BB962C8B-B14F-4D97-AF65-F5344CB8AC3E}">
         <p14:creationId xmlns:p14="http://schemas.microsoft.com/office/powerpoint/2010/main" val="3350272772"/>
@@ -2485,7 +2595,7 @@
 </p:notes>
 </file>
 
-<file path=ppt/notesSlides/notesSlide18.xml><?xml version="1.0" encoding="utf-8"?>
+<file path=ppt/notesSlides/notesSlide19.xml><?xml version="1.0" encoding="utf-8"?>
 <p:notes xmlns:a="http://schemas.openxmlformats.org/drawingml/2006/main" xmlns:r="http://schemas.openxmlformats.org/officeDocument/2006/relationships" xmlns:p="http://schemas.openxmlformats.org/presentationml/2006/main" showMasterSp="0" showMasterPhAnim="0">
   <p:cSld>
     <p:spTree>
@@ -15833,6 +15943,414 @@
   <p:cSld>
     <p:spTree>
       <p:nvGrpSpPr>
+        <p:cNvPr id="1" name="Shape 145"/>
+        <p:cNvGrpSpPr/>
+        <p:nvPr/>
+      </p:nvGrpSpPr>
+      <p:grpSpPr>
+        <a:xfrm>
+          <a:off x="0" y="0"/>
+          <a:ext cx="0" cy="0"/>
+          <a:chOff x="0" y="0"/>
+          <a:chExt cx="0" cy="0"/>
+        </a:xfrm>
+      </p:grpSpPr>
+      <p:sp>
+        <p:nvSpPr>
+          <p:cNvPr id="146" name="Google Shape;146;p7"/>
+          <p:cNvSpPr txBox="1"/>
+          <p:nvPr/>
+        </p:nvSpPr>
+        <p:spPr>
+          <a:xfrm>
+            <a:off x="639098" y="994708"/>
+            <a:ext cx="11316928" cy="5304964"/>
+          </a:xfrm>
+          <a:prstGeom prst="rect">
+            <a:avLst/>
+          </a:prstGeom>
+          <a:noFill/>
+          <a:ln>
+            <a:noFill/>
+          </a:ln>
+        </p:spPr>
+        <p:txBody>
+          <a:bodyPr spcFirstLastPara="1" wrap="square" lIns="0" tIns="45700" rIns="0" bIns="45700" anchor="t" anchorCtr="0">
+            <a:normAutofit fontScale="92500" lnSpcReduction="10000"/>
+          </a:bodyPr>
+          <a:lstStyle/>
+          <a:p>
+            <a:pPr>
+              <a:lnSpc>
+                <a:spcPct val="150000"/>
+              </a:lnSpc>
+            </a:pPr>
+            <a:r>
+              <a:rPr lang="en-US" sz="1800" dirty="0"/>
+              <a:t>1. Model Selection:</a:t>
+            </a:r>
+          </a:p>
+          <a:p>
+            <a:pPr>
+              <a:lnSpc>
+                <a:spcPct val="150000"/>
+              </a:lnSpc>
+            </a:pPr>
+            <a:r>
+              <a:rPr lang="en-US" sz="1800" dirty="0"/>
+              <a:t>   - Issue: Difficulty in selecting the most appropriate facial recognition model from several candidates.</a:t>
+            </a:r>
+          </a:p>
+          <a:p>
+            <a:pPr>
+              <a:lnSpc>
+                <a:spcPct val="150000"/>
+              </a:lnSpc>
+            </a:pPr>
+            <a:r>
+              <a:rPr lang="en-US" sz="1800" dirty="0"/>
+              <a:t>   - Solution: Conducted comparative analysis of models like CNN, </a:t>
+            </a:r>
+            <a:r>
+              <a:rPr lang="en-US" sz="1800" dirty="0" err="1"/>
+              <a:t>ResNet</a:t>
+            </a:r>
+            <a:r>
+              <a:rPr lang="en-US" sz="1800" dirty="0"/>
+              <a:t>, and VGG to evaluate their performance.</a:t>
+            </a:r>
+          </a:p>
+          <a:p>
+            <a:pPr>
+              <a:lnSpc>
+                <a:spcPct val="150000"/>
+              </a:lnSpc>
+            </a:pPr>
+            <a:r>
+              <a:rPr lang="en-US" sz="1800" dirty="0"/>
+              <a:t>2. Data Preprocessing:</a:t>
+            </a:r>
+          </a:p>
+          <a:p>
+            <a:pPr>
+              <a:lnSpc>
+                <a:spcPct val="150000"/>
+              </a:lnSpc>
+            </a:pPr>
+            <a:r>
+              <a:rPr lang="en-US" sz="1800" dirty="0"/>
+              <a:t>   - Issue: Initial challenges with preprocessing large datasets, including image resizing, normalization, and augmentation.</a:t>
+            </a:r>
+          </a:p>
+          <a:p>
+            <a:pPr>
+              <a:lnSpc>
+                <a:spcPct val="150000"/>
+              </a:lnSpc>
+            </a:pPr>
+            <a:r>
+              <a:rPr lang="en-US" sz="1800" dirty="0"/>
+              <a:t>   - Solution: Developed and tested preprocessing scripts to standardize data and enhance model training efficiency.</a:t>
+            </a:r>
+          </a:p>
+          <a:p>
+            <a:pPr>
+              <a:lnSpc>
+                <a:spcPct val="150000"/>
+              </a:lnSpc>
+            </a:pPr>
+            <a:r>
+              <a:rPr lang="en-US" sz="1800" dirty="0"/>
+              <a:t>3. Performance Variability:</a:t>
+            </a:r>
+          </a:p>
+          <a:p>
+            <a:pPr>
+              <a:lnSpc>
+                <a:spcPct val="150000"/>
+              </a:lnSpc>
+            </a:pPr>
+            <a:r>
+              <a:rPr lang="en-US" sz="1800" dirty="0"/>
+              <a:t>   - Issue: Variability in model performance based on different datasets and initial configurations.</a:t>
+            </a:r>
+          </a:p>
+          <a:p>
+            <a:pPr>
+              <a:lnSpc>
+                <a:spcPct val="150000"/>
+              </a:lnSpc>
+            </a:pPr>
+            <a:r>
+              <a:rPr lang="en-US" sz="1800" dirty="0"/>
+              <a:t>   - Solution: Implemented rigorous testing and evaluation procedures to identify and address performance bottlenecks.</a:t>
+            </a:r>
+          </a:p>
+          <a:p>
+            <a:pPr>
+              <a:lnSpc>
+                <a:spcPct val="150000"/>
+              </a:lnSpc>
+            </a:pPr>
+            <a:r>
+              <a:rPr lang="en-US" sz="1800" dirty="0"/>
+              <a:t>4. Integration Complexity:</a:t>
+            </a:r>
+          </a:p>
+          <a:p>
+            <a:pPr>
+              <a:lnSpc>
+                <a:spcPct val="150000"/>
+              </a:lnSpc>
+            </a:pPr>
+            <a:r>
+              <a:rPr lang="en-US" sz="1800" dirty="0"/>
+              <a:t>   - Issue: Complexity in integrating the facial recognition model with the classroom management system.</a:t>
+            </a:r>
+          </a:p>
+          <a:p>
+            <a:pPr>
+              <a:lnSpc>
+                <a:spcPct val="150000"/>
+              </a:lnSpc>
+            </a:pPr>
+            <a:r>
+              <a:rPr lang="en-US" sz="1800" dirty="0"/>
+              <a:t>   - Solution: Began modular integration with incremental testing to ensure seamless functionality.</a:t>
+            </a:r>
+          </a:p>
+          <a:p>
+            <a:pPr>
+              <a:lnSpc>
+                <a:spcPct val="150000"/>
+              </a:lnSpc>
+            </a:pPr>
+            <a:endParaRPr lang="en-US" sz="1800" dirty="0"/>
+          </a:p>
+          <a:p>
+            <a:pPr>
+              <a:lnSpc>
+                <a:spcPct val="150000"/>
+              </a:lnSpc>
+            </a:pPr>
+            <a:endParaRPr lang="en-US" sz="1800" dirty="0"/>
+          </a:p>
+        </p:txBody>
+      </p:sp>
+      <p:sp>
+        <p:nvSpPr>
+          <p:cNvPr id="147" name="Google Shape;147;p7"/>
+          <p:cNvSpPr txBox="1"/>
+          <p:nvPr/>
+        </p:nvSpPr>
+        <p:spPr>
+          <a:xfrm>
+            <a:off x="934066" y="466795"/>
+            <a:ext cx="7729538" cy="523220"/>
+          </a:xfrm>
+          <a:prstGeom prst="rect">
+            <a:avLst/>
+          </a:prstGeom>
+          <a:noFill/>
+          <a:ln>
+            <a:noFill/>
+          </a:ln>
+        </p:spPr>
+        <p:txBody>
+          <a:bodyPr spcFirstLastPara="1" wrap="square" lIns="91425" tIns="45700" rIns="91425" bIns="45700" anchor="t" anchorCtr="0">
+            <a:spAutoFit/>
+          </a:bodyPr>
+          <a:lstStyle/>
+          <a:p>
+            <a:pPr marL="0" marR="0" lvl="0" indent="0" algn="l" rtl="0">
+              <a:spcBef>
+                <a:spcPts val="0"/>
+              </a:spcBef>
+              <a:spcAft>
+                <a:spcPts val="0"/>
+              </a:spcAft>
+              <a:buNone/>
+            </a:pPr>
+            <a:r>
+              <a:rPr lang="en-US" sz="2800" b="1" dirty="0">
+                <a:solidFill>
+                  <a:srgbClr val="FF0000"/>
+                </a:solidFill>
+                <a:latin typeface="Arial"/>
+                <a:ea typeface="Arial"/>
+                <a:cs typeface="Arial"/>
+                <a:sym typeface="Arial"/>
+              </a:rPr>
+              <a:t>CHALLENGES</a:t>
+            </a:r>
+            <a:endParaRPr sz="2800" b="1" dirty="0">
+              <a:solidFill>
+                <a:srgbClr val="FF0000"/>
+              </a:solidFill>
+              <a:latin typeface="Arial"/>
+              <a:ea typeface="Arial"/>
+              <a:cs typeface="Arial"/>
+              <a:sym typeface="Arial"/>
+            </a:endParaRPr>
+          </a:p>
+        </p:txBody>
+      </p:sp>
+      <p:sp>
+        <p:nvSpPr>
+          <p:cNvPr id="148" name="Google Shape;148;p7"/>
+          <p:cNvSpPr txBox="1">
+            <a:spLocks noGrp="1"/>
+          </p:cNvSpPr>
+          <p:nvPr>
+            <p:ph type="dt" idx="10"/>
+          </p:nvPr>
+        </p:nvSpPr>
+        <p:spPr>
+          <a:xfrm>
+            <a:off x="0" y="6431169"/>
+            <a:ext cx="1073426" cy="365125"/>
+          </a:xfrm>
+          <a:prstGeom prst="rect">
+            <a:avLst/>
+          </a:prstGeom>
+          <a:noFill/>
+          <a:ln>
+            <a:noFill/>
+          </a:ln>
+        </p:spPr>
+        <p:txBody>
+          <a:bodyPr spcFirstLastPara="1" wrap="square" lIns="91425" tIns="45700" rIns="91425" bIns="45700" anchor="ctr" anchorCtr="0">
+            <a:noAutofit/>
+          </a:bodyPr>
+          <a:lstStyle/>
+          <a:p>
+            <a:pPr marL="0" lvl="0" indent="0" algn="l" rtl="0">
+              <a:spcBef>
+                <a:spcPts val="0"/>
+              </a:spcBef>
+              <a:spcAft>
+                <a:spcPts val="0"/>
+              </a:spcAft>
+              <a:buNone/>
+            </a:pPr>
+            <a:r>
+              <a:rPr lang="en-US"/>
+              <a:t>09-11-2023</a:t>
+            </a:r>
+            <a:endParaRPr/>
+          </a:p>
+        </p:txBody>
+      </p:sp>
+      <p:sp>
+        <p:nvSpPr>
+          <p:cNvPr id="149" name="Google Shape;149;p7"/>
+          <p:cNvSpPr txBox="1">
+            <a:spLocks noGrp="1"/>
+          </p:cNvSpPr>
+          <p:nvPr>
+            <p:ph type="sldNum" idx="12"/>
+          </p:nvPr>
+        </p:nvSpPr>
+        <p:spPr>
+          <a:xfrm>
+            <a:off x="11410122" y="6426476"/>
+            <a:ext cx="781878" cy="365125"/>
+          </a:xfrm>
+          <a:prstGeom prst="rect">
+            <a:avLst/>
+          </a:prstGeom>
+          <a:noFill/>
+          <a:ln>
+            <a:noFill/>
+          </a:ln>
+        </p:spPr>
+        <p:txBody>
+          <a:bodyPr spcFirstLastPara="1" wrap="square" lIns="91425" tIns="45700" rIns="91425" bIns="45700" anchor="ctr" anchorCtr="0">
+            <a:noAutofit/>
+          </a:bodyPr>
+          <a:lstStyle/>
+          <a:p>
+            <a:pPr marL="0" lvl="0" indent="0" algn="ctr" rtl="0">
+              <a:spcBef>
+                <a:spcPts val="0"/>
+              </a:spcBef>
+              <a:spcAft>
+                <a:spcPts val="0"/>
+              </a:spcAft>
+              <a:buNone/>
+            </a:pPr>
+            <a:fld id="{00000000-1234-1234-1234-123412341234}" type="slidenum">
+              <a:rPr lang="en-US"/>
+              <a:t>13</a:t>
+            </a:fld>
+            <a:endParaRPr/>
+          </a:p>
+        </p:txBody>
+      </p:sp>
+      <p:sp>
+        <p:nvSpPr>
+          <p:cNvPr id="150" name="Google Shape;150;p7"/>
+          <p:cNvSpPr txBox="1">
+            <a:spLocks noGrp="1"/>
+          </p:cNvSpPr>
+          <p:nvPr>
+            <p:ph type="ftr" idx="11"/>
+          </p:nvPr>
+        </p:nvSpPr>
+        <p:spPr>
+          <a:xfrm>
+            <a:off x="1073426" y="6426476"/>
+            <a:ext cx="10336696" cy="365125"/>
+          </a:xfrm>
+          <a:prstGeom prst="rect">
+            <a:avLst/>
+          </a:prstGeom>
+          <a:noFill/>
+          <a:ln>
+            <a:noFill/>
+          </a:ln>
+        </p:spPr>
+        <p:txBody>
+          <a:bodyPr spcFirstLastPara="1" wrap="square" lIns="91425" tIns="45700" rIns="91425" bIns="45700" anchor="ctr" anchorCtr="0">
+            <a:noAutofit/>
+          </a:bodyPr>
+          <a:lstStyle/>
+          <a:p>
+            <a:pPr marL="0" lvl="0" indent="0" algn="ctr" rtl="0">
+              <a:spcBef>
+                <a:spcPts val="0"/>
+              </a:spcBef>
+              <a:spcAft>
+                <a:spcPts val="0"/>
+              </a:spcAft>
+              <a:buNone/>
+            </a:pPr>
+            <a:r>
+              <a:rPr lang="en-US" dirty="0"/>
+              <a:t>PROJECT TITLE</a:t>
+            </a:r>
+            <a:endParaRPr dirty="0"/>
+          </a:p>
+        </p:txBody>
+      </p:sp>
+    </p:spTree>
+    <p:extLst>
+      <p:ext uri="{BB962C8B-B14F-4D97-AF65-F5344CB8AC3E}">
+        <p14:creationId xmlns:p14="http://schemas.microsoft.com/office/powerpoint/2010/main" val="928384366"/>
+      </p:ext>
+    </p:extLst>
+  </p:cSld>
+  <p:clrMapOvr>
+    <a:masterClrMapping/>
+  </p:clrMapOvr>
+</p:sld>
+</file>
+
+<file path=ppt/slides/slide14.xml><?xml version="1.0" encoding="utf-8"?>
+<p:sld xmlns:a="http://schemas.openxmlformats.org/drawingml/2006/main" xmlns:r="http://schemas.openxmlformats.org/officeDocument/2006/relationships" xmlns:p="http://schemas.openxmlformats.org/presentationml/2006/main">
+  <p:cSld>
+    <p:spTree>
+      <p:nvGrpSpPr>
         <p:cNvPr id="1" name="Shape 154"/>
         <p:cNvGrpSpPr/>
         <p:nvPr/>
@@ -16183,7 +16701,7 @@
             </a:pPr>
             <a:fld id="{00000000-1234-1234-1234-123412341234}" type="slidenum">
               <a:rPr lang="en-US"/>
-              <a:t>13</a:t>
+              <a:t>14</a:t>
             </a:fld>
             <a:endParaRPr/>
           </a:p>
@@ -16248,7 +16766,7 @@
 </p:sld>
 </file>
 
-<file path=ppt/slides/slide14.xml><?xml version="1.0" encoding="utf-8"?>
+<file path=ppt/slides/slide15.xml><?xml version="1.0" encoding="utf-8"?>
 <p:sld xmlns:a="http://schemas.openxmlformats.org/drawingml/2006/main" xmlns:r="http://schemas.openxmlformats.org/officeDocument/2006/relationships" xmlns:p="http://schemas.openxmlformats.org/presentationml/2006/main">
   <p:cSld>
     <p:spTree>
@@ -16559,7 +17077,7 @@
             </a:pPr>
             <a:fld id="{00000000-1234-1234-1234-123412341234}" type="slidenum">
               <a:rPr lang="en-US"/>
-              <a:t>14</a:t>
+              <a:t>15</a:t>
             </a:fld>
             <a:endParaRPr/>
           </a:p>
@@ -16624,7 +17142,7 @@
 </p:sld>
 </file>
 
-<file path=ppt/slides/slide15.xml><?xml version="1.0" encoding="utf-8"?>
+<file path=ppt/slides/slide16.xml><?xml version="1.0" encoding="utf-8"?>
 <p:sld xmlns:a="http://schemas.openxmlformats.org/drawingml/2006/main" xmlns:r="http://schemas.openxmlformats.org/officeDocument/2006/relationships" xmlns:p="http://schemas.openxmlformats.org/presentationml/2006/main">
   <p:cSld>
     <p:spTree>
@@ -16684,7 +17202,7 @@
               <a:buChar char="⮚"/>
             </a:pPr>
             <a:r>
-              <a:rPr lang="en-US" sz="2000">
+              <a:rPr lang="en-US" sz="2000" dirty="0">
                 <a:solidFill>
                   <a:schemeClr val="dk1"/>
                 </a:solidFill>
@@ -16695,7 +17213,7 @@
               </a:rPr>
               <a:t>USE GANTT CHART FORMAT</a:t>
             </a:r>
-            <a:endParaRPr/>
+            <a:endParaRPr dirty="0"/>
           </a:p>
           <a:p>
             <a:pPr marL="0" marR="0" lvl="0" indent="0" algn="l" rtl="0">
@@ -16715,7 +17233,7 @@
               <a:buFont typeface="Arial"/>
               <a:buNone/>
             </a:pPr>
-            <a:endParaRPr sz="2000">
+            <a:endParaRPr sz="2000" dirty="0">
               <a:solidFill>
                 <a:schemeClr val="dk1"/>
               </a:solidFill>
@@ -16871,7 +17389,7 @@
             </a:pPr>
             <a:fld id="{00000000-1234-1234-1234-123412341234}" type="slidenum">
               <a:rPr lang="en-US"/>
-              <a:t>15</a:t>
+              <a:t>16</a:t>
             </a:fld>
             <a:endParaRPr/>
           </a:p>
@@ -16931,7 +17449,7 @@
 </p:sld>
 </file>
 
-<file path=ppt/slides/slide16.xml><?xml version="1.0" encoding="utf-8"?>
+<file path=ppt/slides/slide17.xml><?xml version="1.0" encoding="utf-8"?>
 <p:sld xmlns:a="http://schemas.openxmlformats.org/drawingml/2006/main" xmlns:r="http://schemas.openxmlformats.org/officeDocument/2006/relationships" xmlns:p="http://schemas.openxmlformats.org/presentationml/2006/main">
   <p:cSld>
     <p:spTree>
@@ -17301,7 +17819,7 @@
             </a:pPr>
             <a:fld id="{00000000-1234-1234-1234-123412341234}" type="slidenum">
               <a:rPr lang="en-US"/>
-              <a:t>16</a:t>
+              <a:t>17</a:t>
             </a:fld>
             <a:endParaRPr/>
           </a:p>
@@ -17361,7 +17879,7 @@
 </p:sld>
 </file>
 
-<file path=ppt/slides/slide17.xml><?xml version="1.0" encoding="utf-8"?>
+<file path=ppt/slides/slide18.xml><?xml version="1.0" encoding="utf-8"?>
 <p:sld xmlns:a="http://schemas.openxmlformats.org/drawingml/2006/main" xmlns:r="http://schemas.openxmlformats.org/officeDocument/2006/relationships" xmlns:p="http://schemas.openxmlformats.org/presentationml/2006/main">
   <p:cSld>
     <p:spTree>
@@ -17656,7 +18174,7 @@
             </a:pPr>
             <a:fld id="{00000000-1234-1234-1234-123412341234}" type="slidenum">
               <a:rPr lang="en-US"/>
-              <a:t>17</a:t>
+              <a:t>18</a:t>
             </a:fld>
             <a:endParaRPr/>
           </a:p>
@@ -17721,7 +18239,7 @@
 </p:sld>
 </file>
 
-<file path=ppt/slides/slide18.xml><?xml version="1.0" encoding="utf-8"?>
+<file path=ppt/slides/slide19.xml><?xml version="1.0" encoding="utf-8"?>
 <p:sld xmlns:a="http://schemas.openxmlformats.org/drawingml/2006/main" xmlns:r="http://schemas.openxmlformats.org/officeDocument/2006/relationships" xmlns:p="http://schemas.openxmlformats.org/presentationml/2006/main">
   <p:cSld>
     <p:spTree>
@@ -18016,7 +18534,7 @@
             </a:pPr>
             <a:fld id="{00000000-1234-1234-1234-123412341234}" type="slidenum">
               <a:rPr lang="en-US"/>
-              <a:t>18</a:t>
+              <a:t>19</a:t>
             </a:fld>
             <a:endParaRPr/>
           </a:p>
